--- a/sessoes/introducao.pptx
+++ b/sessoes/introducao.pptx
@@ -5,7 +5,7 @@
     <p:sldMasterId id="2147483648" r:id="rId1"/>
   </p:sldMasterIdLst>
   <p:notesMasterIdLst>
-    <p:notesMasterId r:id="rId11"/>
+    <p:notesMasterId r:id="rId12"/>
   </p:notesMasterIdLst>
   <p:sldIdLst>
     <p:sldId id="256" r:id="rId2"/>
@@ -17,6 +17,7 @@
     <p:sldId id="261" r:id="rId8"/>
     <p:sldId id="259" r:id="rId9"/>
     <p:sldId id="262" r:id="rId10"/>
+    <p:sldId id="265" r:id="rId11"/>
   </p:sldIdLst>
   <p:sldSz cx="12192000" cy="6858000"/>
   <p:notesSz cx="6858000" cy="9144000"/>
@@ -12077,6 +12078,408 @@
 </p:sld>
 </file>
 
+<file path=ppt/slides/slide10.xml><?xml version="1.0" encoding="utf-8"?>
+<p:sld xmlns:a="http://schemas.openxmlformats.org/drawingml/2006/main" xmlns:r="http://schemas.openxmlformats.org/officeDocument/2006/relationships" xmlns:p="http://schemas.openxmlformats.org/presentationml/2006/main">
+  <p:cSld>
+    <p:spTree>
+      <p:nvGrpSpPr>
+        <p:cNvPr id="1" name=""/>
+        <p:cNvGrpSpPr/>
+        <p:nvPr/>
+      </p:nvGrpSpPr>
+      <p:grpSpPr>
+        <a:xfrm>
+          <a:off x="0" y="0"/>
+          <a:ext cx="0" cy="0"/>
+          <a:chOff x="0" y="0"/>
+          <a:chExt cx="0" cy="0"/>
+        </a:xfrm>
+      </p:grpSpPr>
+      <p:sp>
+        <p:nvSpPr>
+          <p:cNvPr id="2" name="Title 1">
+            <a:extLst>
+              <a:ext uri="{FF2B5EF4-FFF2-40B4-BE49-F238E27FC236}">
+                <a16:creationId xmlns:a16="http://schemas.microsoft.com/office/drawing/2014/main" id="{E5968D26-BF3D-F7E2-CAAD-BACA0AF7EF21}"/>
+              </a:ext>
+            </a:extLst>
+          </p:cNvPr>
+          <p:cNvSpPr>
+            <a:spLocks noGrp="1"/>
+          </p:cNvSpPr>
+          <p:nvPr>
+            <p:ph type="title"/>
+          </p:nvPr>
+        </p:nvSpPr>
+        <p:spPr/>
+        <p:txBody>
+          <a:bodyPr/>
+          <a:lstStyle/>
+          <a:p>
+            <a:r>
+              <a:rPr lang="pt-BR" dirty="0" smtClean="0"/>
+              <a:t>Brunno... </a:t>
+            </a:r>
+            <a:endParaRPr lang="pt-BR" dirty="0"/>
+          </a:p>
+        </p:txBody>
+      </p:sp>
+      <p:sp>
+        <p:nvSpPr>
+          <p:cNvPr id="3" name="Content Placeholder 2">
+            <a:extLst>
+              <a:ext uri="{FF2B5EF4-FFF2-40B4-BE49-F238E27FC236}">
+                <a16:creationId xmlns:a16="http://schemas.microsoft.com/office/drawing/2014/main" id="{F9871773-5F39-48DC-FE7D-DB34D9BA4CAF}"/>
+              </a:ext>
+            </a:extLst>
+          </p:cNvPr>
+          <p:cNvSpPr>
+            <a:spLocks noGrp="1"/>
+          </p:cNvSpPr>
+          <p:nvPr>
+            <p:ph idx="1"/>
+          </p:nvPr>
+        </p:nvSpPr>
+        <p:spPr/>
+        <p:txBody>
+          <a:bodyPr/>
+          <a:lstStyle/>
+          <a:p>
+            <a:endParaRPr lang="pt-BR" dirty="0">
+              <a:latin typeface="+mj-lt"/>
+            </a:endParaRPr>
+          </a:p>
+          <a:p>
+            <a:endParaRPr lang="pt-BR" dirty="0">
+              <a:latin typeface="+mj-lt"/>
+            </a:endParaRPr>
+          </a:p>
+        </p:txBody>
+      </p:sp>
+      <p:sp>
+        <p:nvSpPr>
+          <p:cNvPr id="4" name="Content Placeholder 2">
+            <a:extLst>
+              <a:ext uri="{FF2B5EF4-FFF2-40B4-BE49-F238E27FC236}">
+                <a16:creationId xmlns:a16="http://schemas.microsoft.com/office/drawing/2014/main" id="{F4C83D78-B9B4-21A0-1547-38FD8B4685D1}"/>
+              </a:ext>
+            </a:extLst>
+          </p:cNvPr>
+          <p:cNvSpPr txBox="1">
+            <a:spLocks/>
+          </p:cNvSpPr>
+          <p:nvPr/>
+        </p:nvSpPr>
+        <p:spPr>
+          <a:xfrm>
+            <a:off x="838200" y="1825624"/>
+            <a:ext cx="9490364" cy="4845339"/>
+          </a:xfrm>
+          <a:prstGeom prst="rect">
+            <a:avLst/>
+          </a:prstGeom>
+        </p:spPr>
+        <p:txBody>
+          <a:bodyPr vert="horz" lIns="91440" tIns="45720" rIns="91440" bIns="45720" rtlCol="0">
+            <a:normAutofit/>
+          </a:bodyPr>
+          <a:lstStyle>
+            <a:lvl1pPr marL="228600" indent="-228600" algn="l" defTabSz="914400" rtl="0" eaLnBrk="1" latinLnBrk="0" hangingPunct="1">
+              <a:lnSpc>
+                <a:spcPct val="90000"/>
+              </a:lnSpc>
+              <a:spcBef>
+                <a:spcPts val="1000"/>
+              </a:spcBef>
+              <a:buFont typeface="Arial" panose="020B0604020202020204" pitchFamily="34" charset="0"/>
+              <a:buChar char="•"/>
+              <a:defRPr sz="2800" kern="1200">
+                <a:solidFill>
+                  <a:schemeClr val="tx1"/>
+                </a:solidFill>
+                <a:latin typeface="+mn-lt"/>
+                <a:ea typeface="+mn-ea"/>
+                <a:cs typeface="+mn-cs"/>
+              </a:defRPr>
+            </a:lvl1pPr>
+            <a:lvl2pPr marL="685800" indent="-228600" algn="l" defTabSz="914400" rtl="0" eaLnBrk="1" latinLnBrk="0" hangingPunct="1">
+              <a:lnSpc>
+                <a:spcPct val="90000"/>
+              </a:lnSpc>
+              <a:spcBef>
+                <a:spcPts val="500"/>
+              </a:spcBef>
+              <a:buFont typeface="Arial" panose="020B0604020202020204" pitchFamily="34" charset="0"/>
+              <a:buChar char="•"/>
+              <a:defRPr sz="2400" kern="1200">
+                <a:solidFill>
+                  <a:schemeClr val="tx1"/>
+                </a:solidFill>
+                <a:latin typeface="+mn-lt"/>
+                <a:ea typeface="+mn-ea"/>
+                <a:cs typeface="+mn-cs"/>
+              </a:defRPr>
+            </a:lvl2pPr>
+            <a:lvl3pPr marL="1143000" indent="-228600" algn="l" defTabSz="914400" rtl="0" eaLnBrk="1" latinLnBrk="0" hangingPunct="1">
+              <a:lnSpc>
+                <a:spcPct val="90000"/>
+              </a:lnSpc>
+              <a:spcBef>
+                <a:spcPts val="500"/>
+              </a:spcBef>
+              <a:buFont typeface="Arial" panose="020B0604020202020204" pitchFamily="34" charset="0"/>
+              <a:buChar char="•"/>
+              <a:defRPr sz="2000" kern="1200">
+                <a:solidFill>
+                  <a:schemeClr val="tx1"/>
+                </a:solidFill>
+                <a:latin typeface="+mn-lt"/>
+                <a:ea typeface="+mn-ea"/>
+                <a:cs typeface="+mn-cs"/>
+              </a:defRPr>
+            </a:lvl3pPr>
+            <a:lvl4pPr marL="1600200" indent="-228600" algn="l" defTabSz="914400" rtl="0" eaLnBrk="1" latinLnBrk="0" hangingPunct="1">
+              <a:lnSpc>
+                <a:spcPct val="90000"/>
+              </a:lnSpc>
+              <a:spcBef>
+                <a:spcPts val="500"/>
+              </a:spcBef>
+              <a:buFont typeface="Arial" panose="020B0604020202020204" pitchFamily="34" charset="0"/>
+              <a:buChar char="•"/>
+              <a:defRPr sz="1800" kern="1200">
+                <a:solidFill>
+                  <a:schemeClr val="tx1"/>
+                </a:solidFill>
+                <a:latin typeface="+mn-lt"/>
+                <a:ea typeface="+mn-ea"/>
+                <a:cs typeface="+mn-cs"/>
+              </a:defRPr>
+            </a:lvl4pPr>
+            <a:lvl5pPr marL="2057400" indent="-228600" algn="l" defTabSz="914400" rtl="0" eaLnBrk="1" latinLnBrk="0" hangingPunct="1">
+              <a:lnSpc>
+                <a:spcPct val="90000"/>
+              </a:lnSpc>
+              <a:spcBef>
+                <a:spcPts val="500"/>
+              </a:spcBef>
+              <a:buFont typeface="Arial" panose="020B0604020202020204" pitchFamily="34" charset="0"/>
+              <a:buChar char="•"/>
+              <a:defRPr sz="1800" kern="1200">
+                <a:solidFill>
+                  <a:schemeClr val="tx1"/>
+                </a:solidFill>
+                <a:latin typeface="+mn-lt"/>
+                <a:ea typeface="+mn-ea"/>
+                <a:cs typeface="+mn-cs"/>
+              </a:defRPr>
+            </a:lvl5pPr>
+            <a:lvl6pPr marL="2514600" indent="-228600" algn="l" defTabSz="914400" rtl="0" eaLnBrk="1" latinLnBrk="0" hangingPunct="1">
+              <a:lnSpc>
+                <a:spcPct val="90000"/>
+              </a:lnSpc>
+              <a:spcBef>
+                <a:spcPts val="500"/>
+              </a:spcBef>
+              <a:buFont typeface="Arial" panose="020B0604020202020204" pitchFamily="34" charset="0"/>
+              <a:buChar char="•"/>
+              <a:defRPr sz="1800" kern="1200">
+                <a:solidFill>
+                  <a:schemeClr val="tx1"/>
+                </a:solidFill>
+                <a:latin typeface="+mn-lt"/>
+                <a:ea typeface="+mn-ea"/>
+                <a:cs typeface="+mn-cs"/>
+              </a:defRPr>
+            </a:lvl6pPr>
+            <a:lvl7pPr marL="2971800" indent="-228600" algn="l" defTabSz="914400" rtl="0" eaLnBrk="1" latinLnBrk="0" hangingPunct="1">
+              <a:lnSpc>
+                <a:spcPct val="90000"/>
+              </a:lnSpc>
+              <a:spcBef>
+                <a:spcPts val="500"/>
+              </a:spcBef>
+              <a:buFont typeface="Arial" panose="020B0604020202020204" pitchFamily="34" charset="0"/>
+              <a:buChar char="•"/>
+              <a:defRPr sz="1800" kern="1200">
+                <a:solidFill>
+                  <a:schemeClr val="tx1"/>
+                </a:solidFill>
+                <a:latin typeface="+mn-lt"/>
+                <a:ea typeface="+mn-ea"/>
+                <a:cs typeface="+mn-cs"/>
+              </a:defRPr>
+            </a:lvl7pPr>
+            <a:lvl8pPr marL="3429000" indent="-228600" algn="l" defTabSz="914400" rtl="0" eaLnBrk="1" latinLnBrk="0" hangingPunct="1">
+              <a:lnSpc>
+                <a:spcPct val="90000"/>
+              </a:lnSpc>
+              <a:spcBef>
+                <a:spcPts val="500"/>
+              </a:spcBef>
+              <a:buFont typeface="Arial" panose="020B0604020202020204" pitchFamily="34" charset="0"/>
+              <a:buChar char="•"/>
+              <a:defRPr sz="1800" kern="1200">
+                <a:solidFill>
+                  <a:schemeClr val="tx1"/>
+                </a:solidFill>
+                <a:latin typeface="+mn-lt"/>
+                <a:ea typeface="+mn-ea"/>
+                <a:cs typeface="+mn-cs"/>
+              </a:defRPr>
+            </a:lvl8pPr>
+            <a:lvl9pPr marL="3886200" indent="-228600" algn="l" defTabSz="914400" rtl="0" eaLnBrk="1" latinLnBrk="0" hangingPunct="1">
+              <a:lnSpc>
+                <a:spcPct val="90000"/>
+              </a:lnSpc>
+              <a:spcBef>
+                <a:spcPts val="500"/>
+              </a:spcBef>
+              <a:buFont typeface="Arial" panose="020B0604020202020204" pitchFamily="34" charset="0"/>
+              <a:buChar char="•"/>
+              <a:defRPr sz="1800" kern="1200">
+                <a:solidFill>
+                  <a:schemeClr val="tx1"/>
+                </a:solidFill>
+                <a:latin typeface="+mn-lt"/>
+                <a:ea typeface="+mn-ea"/>
+                <a:cs typeface="+mn-cs"/>
+              </a:defRPr>
+            </a:lvl9pPr>
+          </a:lstStyle>
+          <a:p>
+            <a:r>
+              <a:rPr lang="pt-BR" dirty="0">
+                <a:solidFill>
+                  <a:srgbClr val="1A292C"/>
+                </a:solidFill>
+                <a:latin typeface="+mj-lt"/>
+              </a:rPr>
+              <a:t>Nome</a:t>
+            </a:r>
+          </a:p>
+          <a:p>
+            <a:r>
+              <a:rPr lang="pt-BR" dirty="0">
+                <a:solidFill>
+                  <a:srgbClr val="1A292C"/>
+                </a:solidFill>
+                <a:latin typeface="+mj-lt"/>
+              </a:rPr>
+              <a:t>Formação</a:t>
+            </a:r>
+          </a:p>
+          <a:p>
+            <a:r>
+              <a:rPr lang="pt-BR" dirty="0">
+                <a:solidFill>
+                  <a:srgbClr val="1A292C"/>
+                </a:solidFill>
+                <a:latin typeface="+mj-lt"/>
+              </a:rPr>
+              <a:t>O que faz ou pensa em fazer da vida?</a:t>
+            </a:r>
+          </a:p>
+          <a:p>
+            <a:r>
+              <a:rPr lang="pt-BR" dirty="0">
+                <a:solidFill>
+                  <a:srgbClr val="1A292C"/>
+                </a:solidFill>
+                <a:latin typeface="+mj-lt"/>
+              </a:rPr>
+              <a:t>Experiencia com Modelos de Distribuição de Espécies?</a:t>
+            </a:r>
+          </a:p>
+          <a:p>
+            <a:r>
+              <a:rPr lang="pt-BR" dirty="0">
+                <a:solidFill>
+                  <a:srgbClr val="1A292C"/>
+                </a:solidFill>
+                <a:latin typeface="+mj-lt"/>
+              </a:rPr>
+              <a:t>O que espera do curso? </a:t>
+            </a:r>
+          </a:p>
+          <a:p>
+            <a:r>
+              <a:rPr lang="pt-BR" dirty="0">
+                <a:solidFill>
+                  <a:srgbClr val="1A292C"/>
+                </a:solidFill>
+                <a:latin typeface="+mj-lt"/>
+              </a:rPr>
+              <a:t>Duas verdades uma mentira*</a:t>
+            </a:r>
+          </a:p>
+          <a:p>
+            <a:pPr lvl="1"/>
+            <a:r>
+              <a:rPr lang="pt-BR" dirty="0" smtClean="0">
+                <a:latin typeface="+mj-lt"/>
+              </a:rPr>
+              <a:t>Tiver que casar para não ter que me separar</a:t>
+            </a:r>
+          </a:p>
+          <a:p>
+            <a:pPr lvl="1"/>
+            <a:r>
+              <a:rPr lang="pt-BR" dirty="0" smtClean="0">
+                <a:latin typeface="+mj-lt"/>
+              </a:rPr>
+              <a:t>Sou escalador</a:t>
+            </a:r>
+          </a:p>
+          <a:p>
+            <a:pPr lvl="1"/>
+            <a:r>
+              <a:rPr lang="pt-BR" dirty="0" smtClean="0">
+                <a:latin typeface="+mj-lt"/>
+              </a:rPr>
+              <a:t>Já toquei em 3 bandas de rock punk/hardcore, uma delas sendo o único membro da banda</a:t>
+            </a:r>
+            <a:endParaRPr lang="pt-BR" dirty="0">
+              <a:latin typeface="+mj-lt"/>
+            </a:endParaRPr>
+          </a:p>
+          <a:p>
+            <a:pPr lvl="1"/>
+            <a:endParaRPr lang="pt-BR" dirty="0">
+              <a:latin typeface="+mj-lt"/>
+            </a:endParaRPr>
+          </a:p>
+          <a:p>
+            <a:pPr lvl="1"/>
+            <a:endParaRPr lang="pt-BR" dirty="0">
+              <a:solidFill>
+                <a:srgbClr val="1A292C"/>
+              </a:solidFill>
+              <a:latin typeface="+mj-lt"/>
+            </a:endParaRPr>
+          </a:p>
+          <a:p>
+            <a:pPr marL="0" indent="0">
+              <a:buFont typeface="Arial" panose="020B0604020202020204" pitchFamily="34" charset="0"/>
+              <a:buNone/>
+            </a:pPr>
+            <a:endParaRPr lang="pt-BR" dirty="0"/>
+          </a:p>
+        </p:txBody>
+      </p:sp>
+    </p:spTree>
+    <p:extLst>
+      <p:ext uri="{BB962C8B-B14F-4D97-AF65-F5344CB8AC3E}">
+        <p14:creationId xmlns:p14="http://schemas.microsoft.com/office/powerpoint/2010/main" val="3888961241"/>
+      </p:ext>
+    </p:extLst>
+  </p:cSld>
+  <p:clrMapOvr>
+    <a:masterClrMapping/>
+  </p:clrMapOvr>
+</p:sld>
+</file>
+
 <file path=ppt/slides/slide2.xml><?xml version="1.0" encoding="utf-8"?>
 <p:sld xmlns:a="http://schemas.openxmlformats.org/drawingml/2006/main" xmlns:r="http://schemas.openxmlformats.org/officeDocument/2006/relationships" xmlns:p="http://schemas.openxmlformats.org/presentationml/2006/main">
   <p:cSld>
@@ -12640,7 +13043,12 @@
             <p:ph type="title"/>
           </p:nvPr>
         </p:nvSpPr>
-        <p:spPr/>
+        <p:spPr>
+          <a:xfrm>
+            <a:off x="838200" y="0"/>
+            <a:ext cx="10515600" cy="1325563"/>
+          </a:xfrm>
+        </p:spPr>
         <p:txBody>
           <a:bodyPr/>
           <a:lstStyle/>
@@ -12652,28 +13060,72 @@
           </a:p>
         </p:txBody>
       </p:sp>
-      <p:sp>
-        <p:nvSpPr>
-          <p:cNvPr id="3" name="Content Placeholder 2">
-            <a:extLst>
-              <a:ext uri="{FF2B5EF4-FFF2-40B4-BE49-F238E27FC236}">
-                <a16:creationId xmlns:a16="http://schemas.microsoft.com/office/drawing/2014/main" id="{3E9BAACF-1108-E879-2DD3-EDEC8A30C340}"/>
-              </a:ext>
-            </a:extLst>
-          </p:cNvPr>
-          <p:cNvSpPr>
-            <a:spLocks noGrp="1"/>
-          </p:cNvSpPr>
+      <p:pic>
+        <p:nvPicPr>
+          <p:cNvPr id="4" name="Espace réservé du contenu 6"/>
+          <p:cNvPicPr>
+            <a:picLocks noGrp="1" noChangeAspect="1"/>
+          </p:cNvPicPr>
           <p:nvPr>
             <p:ph idx="1"/>
           </p:nvPr>
+        </p:nvPicPr>
+        <p:blipFill>
+          <a:blip r:embed="rId2"/>
+          <a:stretch>
+            <a:fillRect/>
+          </a:stretch>
+        </p:blipFill>
+        <p:spPr>
+          <a:xfrm>
+            <a:off x="2992949" y="2080874"/>
+            <a:ext cx="6206101" cy="3840840"/>
+          </a:xfrm>
+          <a:prstGeom prst="rect">
+            <a:avLst/>
+          </a:prstGeom>
+        </p:spPr>
+      </p:pic>
+      <p:sp>
+        <p:nvSpPr>
+          <p:cNvPr id="5" name="Rectangle 4"/>
+          <p:cNvSpPr/>
+          <p:nvPr/>
         </p:nvSpPr>
-        <p:spPr/>
+        <p:spPr>
+          <a:xfrm>
+            <a:off x="201598" y="6363091"/>
+            <a:ext cx="1635384" cy="307777"/>
+          </a:xfrm>
+          <a:prstGeom prst="rect">
+            <a:avLst/>
+          </a:prstGeom>
+        </p:spPr>
         <p:txBody>
-          <a:bodyPr/>
+          <a:bodyPr wrap="none">
+            <a:spAutoFit/>
+          </a:bodyPr>
           <a:lstStyle/>
           <a:p>
-            <a:endParaRPr lang="pt-BR" dirty="0"/>
+            <a:r>
+              <a:rPr lang="en-US" sz="1400" dirty="0" err="1">
+                <a:solidFill>
+                  <a:srgbClr val="2369BE"/>
+                </a:solidFill>
+                <a:latin typeface="FiraSans-Light"/>
+              </a:rPr>
+              <a:t>Zurell</a:t>
+            </a:r>
+            <a:r>
+              <a:rPr lang="en-US" sz="1400" dirty="0">
+                <a:solidFill>
+                  <a:srgbClr val="2369BE"/>
+                </a:solidFill>
+                <a:latin typeface="FiraSans-Light"/>
+              </a:rPr>
+              <a:t> et al. (2020)</a:t>
+            </a:r>
+            <a:endParaRPr lang="en-US" sz="1400" dirty="0"/>
           </a:p>
         </p:txBody>
       </p:sp>

--- a/sessoes/introducao.pptx
+++ b/sessoes/introducao.pptx
@@ -8206,7 +8206,7 @@
           <a:p>
             <a:fld id="{5AFA61FE-4757-8249-859C-CA645ADF0426}" type="datetimeFigureOut">
               <a:rPr lang="pt-BR" smtClean="0"/>
-              <a:t>02/11/2024</a:t>
+              <a:t>03/11/2024</a:t>
             </a:fld>
             <a:endParaRPr lang="pt-BR"/>
           </a:p>
@@ -8707,7 +8707,7 @@
           <a:p>
             <a:fld id="{DEF62065-7324-6243-AE8C-BB5572CA16CD}" type="datetimeFigureOut">
               <a:rPr lang="pt-BR" smtClean="0"/>
-              <a:t>02/11/2024</a:t>
+              <a:t>03/11/2024</a:t>
             </a:fld>
             <a:endParaRPr lang="pt-BR"/>
           </a:p>
@@ -8907,7 +8907,7 @@
           <a:p>
             <a:fld id="{DEF62065-7324-6243-AE8C-BB5572CA16CD}" type="datetimeFigureOut">
               <a:rPr lang="pt-BR" smtClean="0"/>
-              <a:t>02/11/2024</a:t>
+              <a:t>03/11/2024</a:t>
             </a:fld>
             <a:endParaRPr lang="pt-BR"/>
           </a:p>
@@ -9117,7 +9117,7 @@
           <a:p>
             <a:fld id="{DEF62065-7324-6243-AE8C-BB5572CA16CD}" type="datetimeFigureOut">
               <a:rPr lang="pt-BR" smtClean="0"/>
-              <a:t>02/11/2024</a:t>
+              <a:t>03/11/2024</a:t>
             </a:fld>
             <a:endParaRPr lang="pt-BR"/>
           </a:p>
@@ -9317,7 +9317,7 @@
           <a:p>
             <a:fld id="{DEF62065-7324-6243-AE8C-BB5572CA16CD}" type="datetimeFigureOut">
               <a:rPr lang="pt-BR" smtClean="0"/>
-              <a:t>02/11/2024</a:t>
+              <a:t>03/11/2024</a:t>
             </a:fld>
             <a:endParaRPr lang="pt-BR"/>
           </a:p>
@@ -9593,7 +9593,7 @@
           <a:p>
             <a:fld id="{DEF62065-7324-6243-AE8C-BB5572CA16CD}" type="datetimeFigureOut">
               <a:rPr lang="pt-BR" smtClean="0"/>
-              <a:t>02/11/2024</a:t>
+              <a:t>03/11/2024</a:t>
             </a:fld>
             <a:endParaRPr lang="pt-BR"/>
           </a:p>
@@ -9861,7 +9861,7 @@
           <a:p>
             <a:fld id="{DEF62065-7324-6243-AE8C-BB5572CA16CD}" type="datetimeFigureOut">
               <a:rPr lang="pt-BR" smtClean="0"/>
-              <a:t>02/11/2024</a:t>
+              <a:t>03/11/2024</a:t>
             </a:fld>
             <a:endParaRPr lang="pt-BR"/>
           </a:p>
@@ -10276,7 +10276,7 @@
           <a:p>
             <a:fld id="{DEF62065-7324-6243-AE8C-BB5572CA16CD}" type="datetimeFigureOut">
               <a:rPr lang="pt-BR" smtClean="0"/>
-              <a:t>02/11/2024</a:t>
+              <a:t>03/11/2024</a:t>
             </a:fld>
             <a:endParaRPr lang="pt-BR"/>
           </a:p>
@@ -10418,7 +10418,7 @@
           <a:p>
             <a:fld id="{DEF62065-7324-6243-AE8C-BB5572CA16CD}" type="datetimeFigureOut">
               <a:rPr lang="pt-BR" smtClean="0"/>
-              <a:t>02/11/2024</a:t>
+              <a:t>03/11/2024</a:t>
             </a:fld>
             <a:endParaRPr lang="pt-BR"/>
           </a:p>
@@ -10531,7 +10531,7 @@
           <a:p>
             <a:fld id="{DEF62065-7324-6243-AE8C-BB5572CA16CD}" type="datetimeFigureOut">
               <a:rPr lang="pt-BR" smtClean="0"/>
-              <a:t>02/11/2024</a:t>
+              <a:t>03/11/2024</a:t>
             </a:fld>
             <a:endParaRPr lang="pt-BR"/>
           </a:p>
@@ -10844,7 +10844,7 @@
           <a:p>
             <a:fld id="{DEF62065-7324-6243-AE8C-BB5572CA16CD}" type="datetimeFigureOut">
               <a:rPr lang="pt-BR" smtClean="0"/>
-              <a:t>02/11/2024</a:t>
+              <a:t>03/11/2024</a:t>
             </a:fld>
             <a:endParaRPr lang="pt-BR"/>
           </a:p>
@@ -11133,7 +11133,7 @@
           <a:p>
             <a:fld id="{DEF62065-7324-6243-AE8C-BB5572CA16CD}" type="datetimeFigureOut">
               <a:rPr lang="pt-BR" smtClean="0"/>
-              <a:t>02/11/2024</a:t>
+              <a:t>03/11/2024</a:t>
             </a:fld>
             <a:endParaRPr lang="pt-BR"/>
           </a:p>
@@ -11376,7 +11376,7 @@
           <a:p>
             <a:fld id="{DEF62065-7324-6243-AE8C-BB5572CA16CD}" type="datetimeFigureOut">
               <a:rPr lang="pt-BR" smtClean="0"/>
-              <a:t>02/11/2024</a:t>
+              <a:t>03/11/2024</a:t>
             </a:fld>
             <a:endParaRPr lang="pt-BR"/>
           </a:p>
@@ -12437,7 +12437,25 @@
               <a:rPr lang="pt-BR" dirty="0" smtClean="0">
                 <a:latin typeface="+mj-lt"/>
               </a:rPr>
-              <a:t>Já toquei em 3 bandas de rock punk/hardcore, uma delas sendo o único membro da banda</a:t>
+              <a:t>Já toquei em 3 bandas de rock punk/hardcore</a:t>
+            </a:r>
+            <a:r>
+              <a:rPr lang="pt-BR" smtClean="0">
+                <a:latin typeface="+mj-lt"/>
+              </a:rPr>
+              <a:t>, </a:t>
+            </a:r>
+            <a:r>
+              <a:rPr lang="pt-BR" smtClean="0">
+                <a:latin typeface="+mj-lt"/>
+              </a:rPr>
+              <a:t>em uma </a:t>
+            </a:r>
+            <a:r>
+              <a:rPr lang="pt-BR" dirty="0" smtClean="0">
+                <a:latin typeface="+mj-lt"/>
+              </a:rPr>
+              <a:t>delas sendo o único membro da banda</a:t>
             </a:r>
             <a:endParaRPr lang="pt-BR" dirty="0">
               <a:latin typeface="+mj-lt"/>
@@ -12959,13 +12977,7 @@
               <a:rPr lang="pt-BR" dirty="0" smtClean="0">
                 <a:latin typeface="+mj-lt"/>
               </a:rPr>
-              <a:t>Todo </a:t>
-            </a:r>
-            <a:r>
-              <a:rPr lang="pt-BR" dirty="0" smtClean="0">
-                <a:latin typeface="+mj-lt"/>
-              </a:rPr>
-              <a:t>material no </a:t>
+              <a:t>Todo material no </a:t>
             </a:r>
             <a:r>
               <a:rPr lang="pt-BR" dirty="0">
